--- a/week_08/case_study_08.pptx
+++ b/week_08/case_study_08.pptx
@@ -9,7 +9,6 @@
     <p:sldId id="257" r:id="rId3"/>
     <p:sldId id="258" r:id="rId4"/>
     <p:sldId id="259" r:id="rId5"/>
-    <p:sldId id="260" r:id="rId6"/>
   </p:sldIdLst>
   <p:sldSz cx="9144000" cy="6858000" type="screen4x3"/>
   <p:notesSz cx="6858000" cy="9144000"/>
@@ -3298,9 +3297,41 @@
               <a:t>(tidyverse)</a:t>
             </a:r>
             <a:br/>
+            <a:r>
+              <a:rPr>
+                <a:solidFill>
+                  <a:srgbClr val="06287E"/>
+                </a:solidFill>
+                <a:latin typeface="Courier"/>
+              </a:rPr>
+              <a:t>library</a:t>
+            </a:r>
+            <a:r>
+              <a:rPr>
+                <a:latin typeface="Courier"/>
+              </a:rPr>
+              <a:t>(knitr)</a:t>
+            </a:r>
             <a:br/>
             <a:r>
               <a:rPr>
+                <a:solidFill>
+                  <a:srgbClr val="06287E"/>
+                </a:solidFill>
+                <a:latin typeface="Courier"/>
+              </a:rPr>
+              <a:t>library</a:t>
+            </a:r>
+            <a:r>
+              <a:rPr>
+                <a:latin typeface="Courier"/>
+              </a:rPr>
+              <a:t>(kableExtra)</a:t>
+            </a:r>
+            <a:br/>
+            <a:br/>
+            <a:r>
+              <a:rPr>
                 <a:latin typeface="Courier"/>
               </a:rPr>
               <a:t>URL</a:t>
@@ -3458,23 +3489,6 @@
                 <a:latin typeface="Courier"/>
               </a:rPr>
               <a:t>))</a:t>
-            </a:r>
-          </a:p>
-          <a:p>
-            <a:pPr lvl="0" indent="0">
-              <a:buNone/>
-            </a:pPr>
-            <a:r>
-              <a:rPr>
-                <a:latin typeface="Courier"/>
-              </a:rPr>
-              <a:t>## 
-## -- Column specification ------------------------------------------------------
-## cols(
-##   year = col_double(),
-##   mean = col_double(),
-##   unc = col_double()
-## )</a:t>
             </a:r>
           </a:p>
           <a:p>
@@ -3842,344 +3856,170 @@
               <a:t>(top5)</a:t>
             </a:r>
           </a:p>
-        </p:txBody>
-      </p:sp>
-    </p:spTree>
-  </p:cSld>
-</p:sld>
-</file>
-
-<file path=ppt/slides/slide5.xml><?xml version="1.0" encoding="utf-8"?>
-<p:sld xmlns:a="http://schemas.openxmlformats.org/drawingml/2006/main" xmlns:r="http://schemas.openxmlformats.org/officeDocument/2006/relationships" xmlns:p="http://schemas.openxmlformats.org/presentationml/2006/main">
-  <p:cSld>
-    <p:spTree>
-      <p:nvGrpSpPr>
-        <p:cNvPr id="1" name=""/>
-        <p:cNvGrpSpPr/>
-        <p:nvPr/>
-      </p:nvGrpSpPr>
-      <p:grpSpPr>
-        <a:xfrm>
-          <a:off x="0" y="0"/>
-          <a:ext cx="0" cy="0"/>
-          <a:chOff x="0" y="0"/>
-          <a:chExt cx="0" cy="0"/>
-        </a:xfrm>
-      </p:grpSpPr>
-      <p:graphicFrame>
-        <p:nvGraphicFramePr>
-          <p:cNvPr id="6" name="Content Placeholder 5"/>
-          <p:cNvGraphicFramePr>
-            <a:graphicFrameLocks noGrp="1"/>
-          </p:cNvGraphicFramePr>
-          <p:nvPr>
-            <p:ph idx="1"/>
-          </p:nvPr>
-        </p:nvGraphicFramePr>
-        <p:xfrm>
-          <a:off x="457200" y="1600200"/>
-          <a:ext cx="8229600" cy="4521200"/>
-        </p:xfrm>
-        <a:graphic>
-          <a:graphicData uri="http://schemas.openxmlformats.org/drawingml/2006/table">
-            <a:tbl>
-              <a:tblPr firstRow="1" bandRow="1">
-                <a:tableStyleId>{5C22544A-7EE6-4342-B048-85BDC9FD1C3A}</a:tableStyleId>
-              </a:tblPr>
-              <a:tblGrid>
-                <a:gridCol w="2743200"/>
-                <a:gridCol w="2743200"/>
-                <a:gridCol w="2743200"/>
-              </a:tblGrid>
-              <a:tr h="0">
-                <a:tc>
-                  <a:txBody>
-                    <a:bodyPr/>
-                    <a:lstStyle/>
-                    <a:p>
-                      <a:pPr lvl="0" marL="0" indent="0" algn="r">
-                        <a:buNone/>
-                      </a:pPr>
-                      <a:r>
-                        <a:rPr/>
-                        <a:t>year</a:t>
-                      </a:r>
-                    </a:p>
-                  </a:txBody>
-                  <a:tcPr/>
-                </a:tc>
-                <a:tc>
-                  <a:txBody>
-                    <a:bodyPr/>
-                    <a:lstStyle/>
-                    <a:p>
-                      <a:pPr lvl="0" marL="0" indent="0" algn="r">
-                        <a:buNone/>
-                      </a:pPr>
-                      <a:r>
-                        <a:rPr/>
-                        <a:t>mean</a:t>
-                      </a:r>
-                    </a:p>
-                  </a:txBody>
-                  <a:tcPr/>
-                </a:tc>
-                <a:tc>
-                  <a:txBody>
-                    <a:bodyPr/>
-                    <a:lstStyle/>
-                    <a:p>
-                      <a:pPr lvl="0" marL="0" indent="0" algn="r">
-                        <a:buNone/>
-                      </a:pPr>
-                      <a:r>
-                        <a:rPr/>
-                        <a:t>unc</a:t>
-                      </a:r>
-                    </a:p>
-                  </a:txBody>
-                  <a:tcPr/>
-                </a:tc>
-              </a:tr>
-              <a:tr h="0">
-                <a:tc>
-                  <a:txBody>
-                    <a:bodyPr/>
-                    <a:lstStyle/>
-                    <a:p>
-                      <a:pPr lvl="0" marL="0" indent="0" algn="r">
-                        <a:buNone/>
-                      </a:pPr>
-                      <a:r>
-                        <a:rPr/>
-                        <a:t>2020</a:t>
-                      </a:r>
-                    </a:p>
-                  </a:txBody>
-                </a:tc>
-                <a:tc>
-                  <a:txBody>
-                    <a:bodyPr/>
-                    <a:lstStyle/>
-                    <a:p>
-                      <a:pPr lvl="0" marL="0" indent="0" algn="r">
-                        <a:buNone/>
-                      </a:pPr>
-                      <a:r>
-                        <a:rPr/>
-                        <a:t>414.24</a:t>
-                      </a:r>
-                    </a:p>
-                  </a:txBody>
-                </a:tc>
-                <a:tc>
-                  <a:txBody>
-                    <a:bodyPr/>
-                    <a:lstStyle/>
-                    <a:p>
-                      <a:pPr lvl="0" marL="0" indent="0" algn="r">
-                        <a:buNone/>
-                      </a:pPr>
-                      <a:r>
-                        <a:rPr/>
-                        <a:t>0.12</a:t>
-                      </a:r>
-                    </a:p>
-                  </a:txBody>
-                </a:tc>
-              </a:tr>
-              <a:tr h="0">
-                <a:tc>
-                  <a:txBody>
-                    <a:bodyPr/>
-                    <a:lstStyle/>
-                    <a:p>
-                      <a:pPr lvl="0" marL="0" indent="0" algn="r">
-                        <a:buNone/>
-                      </a:pPr>
-                      <a:r>
-                        <a:rPr/>
-                        <a:t>2019</a:t>
-                      </a:r>
-                    </a:p>
-                  </a:txBody>
-                </a:tc>
-                <a:tc>
-                  <a:txBody>
-                    <a:bodyPr/>
-                    <a:lstStyle/>
-                    <a:p>
-                      <a:pPr lvl="0" marL="0" indent="0" algn="r">
-                        <a:buNone/>
-                      </a:pPr>
-                      <a:r>
-                        <a:rPr/>
-                        <a:t>411.66</a:t>
-                      </a:r>
-                    </a:p>
-                  </a:txBody>
-                </a:tc>
-                <a:tc>
-                  <a:txBody>
-                    <a:bodyPr/>
-                    <a:lstStyle/>
-                    <a:p>
-                      <a:pPr lvl="0" marL="0" indent="0" algn="r">
-                        <a:buNone/>
-                      </a:pPr>
-                      <a:r>
-                        <a:rPr/>
-                        <a:t>0.12</a:t>
-                      </a:r>
-                    </a:p>
-                  </a:txBody>
-                </a:tc>
-              </a:tr>
-              <a:tr h="0">
-                <a:tc>
-                  <a:txBody>
-                    <a:bodyPr/>
-                    <a:lstStyle/>
-                    <a:p>
-                      <a:pPr lvl="0" marL="0" indent="0" algn="r">
-                        <a:buNone/>
-                      </a:pPr>
-                      <a:r>
-                        <a:rPr/>
-                        <a:t>2018</a:t>
-                      </a:r>
-                    </a:p>
-                  </a:txBody>
-                </a:tc>
-                <a:tc>
-                  <a:txBody>
-                    <a:bodyPr/>
-                    <a:lstStyle/>
-                    <a:p>
-                      <a:pPr lvl="0" marL="0" indent="0" algn="r">
-                        <a:buNone/>
-                      </a:pPr>
-                      <a:r>
-                        <a:rPr/>
-                        <a:t>408.72</a:t>
-                      </a:r>
-                    </a:p>
-                  </a:txBody>
-                </a:tc>
-                <a:tc>
-                  <a:txBody>
-                    <a:bodyPr/>
-                    <a:lstStyle/>
-                    <a:p>
-                      <a:pPr lvl="0" marL="0" indent="0" algn="r">
-                        <a:buNone/>
-                      </a:pPr>
-                      <a:r>
-                        <a:rPr/>
-                        <a:t>0.12</a:t>
-                      </a:r>
-                    </a:p>
-                  </a:txBody>
-                </a:tc>
-              </a:tr>
-              <a:tr h="0">
-                <a:tc>
-                  <a:txBody>
-                    <a:bodyPr/>
-                    <a:lstStyle/>
-                    <a:p>
-                      <a:pPr lvl="0" marL="0" indent="0" algn="r">
-                        <a:buNone/>
-                      </a:pPr>
-                      <a:r>
-                        <a:rPr/>
-                        <a:t>2017</a:t>
-                      </a:r>
-                    </a:p>
-                  </a:txBody>
-                </a:tc>
-                <a:tc>
-                  <a:txBody>
-                    <a:bodyPr/>
-                    <a:lstStyle/>
-                    <a:p>
-                      <a:pPr lvl="0" marL="0" indent="0" algn="r">
-                        <a:buNone/>
-                      </a:pPr>
-                      <a:r>
-                        <a:rPr/>
-                        <a:t>406.76</a:t>
-                      </a:r>
-                    </a:p>
-                  </a:txBody>
-                </a:tc>
-                <a:tc>
-                  <a:txBody>
-                    <a:bodyPr/>
-                    <a:lstStyle/>
-                    <a:p>
-                      <a:pPr lvl="0" marL="0" indent="0" algn="r">
-                        <a:buNone/>
-                      </a:pPr>
-                      <a:r>
-                        <a:rPr/>
-                        <a:t>0.12</a:t>
-                      </a:r>
-                    </a:p>
-                  </a:txBody>
-                </a:tc>
-              </a:tr>
-              <a:tr h="0">
-                <a:tc>
-                  <a:txBody>
-                    <a:bodyPr/>
-                    <a:lstStyle/>
-                    <a:p>
-                      <a:pPr lvl="0" marL="0" indent="0" algn="r">
-                        <a:buNone/>
-                      </a:pPr>
-                      <a:r>
-                        <a:rPr/>
-                        <a:t>2016</a:t>
-                      </a:r>
-                    </a:p>
-                  </a:txBody>
-                </a:tc>
-                <a:tc>
-                  <a:txBody>
-                    <a:bodyPr/>
-                    <a:lstStyle/>
-                    <a:p>
-                      <a:pPr lvl="0" marL="0" indent="0" algn="r">
-                        <a:buNone/>
-                      </a:pPr>
-                      <a:r>
-                        <a:rPr/>
-                        <a:t>404.41</a:t>
-                      </a:r>
-                    </a:p>
-                  </a:txBody>
-                </a:tc>
-                <a:tc>
-                  <a:txBody>
-                    <a:bodyPr/>
-                    <a:lstStyle/>
-                    <a:p>
-                      <a:pPr lvl="0" marL="0" indent="0" algn="r">
-                        <a:buNone/>
-                      </a:pPr>
-                      <a:r>
-                        <a:rPr/>
-                        <a:t>0.12</a:t>
-                      </a:r>
-                    </a:p>
-                  </a:txBody>
-                </a:tc>
-              </a:tr>
-            </a:tbl>
-          </a:graphicData>
-        </a:graphic>
-      </p:graphicFrame>
+          <a:p>
+            <a:pPr lvl="0" marL="0" indent="0">
+              <a:buNone/>
+            </a:pPr>
+            <a:r>
+              <a:rPr/>
+              <a:t>year</a:t>
+            </a:r>
+          </a:p>
+          <a:p>
+            <a:pPr lvl="0" marL="0" indent="0">
+              <a:buNone/>
+            </a:pPr>
+            <a:r>
+              <a:rPr/>
+              <a:t>mean</a:t>
+            </a:r>
+          </a:p>
+          <a:p>
+            <a:pPr lvl="0" marL="0" indent="0">
+              <a:buNone/>
+            </a:pPr>
+            <a:r>
+              <a:rPr/>
+              <a:t>unc</a:t>
+            </a:r>
+          </a:p>
+          <a:p>
+            <a:pPr lvl="0" marL="0" indent="0">
+              <a:buNone/>
+            </a:pPr>
+            <a:r>
+              <a:rPr/>
+              <a:t>2020</a:t>
+            </a:r>
+          </a:p>
+          <a:p>
+            <a:pPr lvl="0" marL="0" indent="0">
+              <a:buNone/>
+            </a:pPr>
+            <a:r>
+              <a:rPr/>
+              <a:t>414.24</a:t>
+            </a:r>
+          </a:p>
+          <a:p>
+            <a:pPr lvl="0" marL="0" indent="0">
+              <a:buNone/>
+            </a:pPr>
+            <a:r>
+              <a:rPr/>
+              <a:t>0.12</a:t>
+            </a:r>
+          </a:p>
+          <a:p>
+            <a:pPr lvl="0" marL="0" indent="0">
+              <a:buNone/>
+            </a:pPr>
+            <a:r>
+              <a:rPr/>
+              <a:t>2019</a:t>
+            </a:r>
+          </a:p>
+          <a:p>
+            <a:pPr lvl="0" marL="0" indent="0">
+              <a:buNone/>
+            </a:pPr>
+            <a:r>
+              <a:rPr/>
+              <a:t>411.66</a:t>
+            </a:r>
+          </a:p>
+          <a:p>
+            <a:pPr lvl="0" marL="0" indent="0">
+              <a:buNone/>
+            </a:pPr>
+            <a:r>
+              <a:rPr/>
+              <a:t>0.12</a:t>
+            </a:r>
+          </a:p>
+          <a:p>
+            <a:pPr lvl="0" marL="0" indent="0">
+              <a:buNone/>
+            </a:pPr>
+            <a:r>
+              <a:rPr/>
+              <a:t>2018</a:t>
+            </a:r>
+          </a:p>
+          <a:p>
+            <a:pPr lvl="0" marL="0" indent="0">
+              <a:buNone/>
+            </a:pPr>
+            <a:r>
+              <a:rPr/>
+              <a:t>408.72</a:t>
+            </a:r>
+          </a:p>
+          <a:p>
+            <a:pPr lvl="0" marL="0" indent="0">
+              <a:buNone/>
+            </a:pPr>
+            <a:r>
+              <a:rPr/>
+              <a:t>0.12</a:t>
+            </a:r>
+          </a:p>
+          <a:p>
+            <a:pPr lvl="0" marL="0" indent="0">
+              <a:buNone/>
+            </a:pPr>
+            <a:r>
+              <a:rPr/>
+              <a:t>2017</a:t>
+            </a:r>
+          </a:p>
+          <a:p>
+            <a:pPr lvl="0" marL="0" indent="0">
+              <a:buNone/>
+            </a:pPr>
+            <a:r>
+              <a:rPr/>
+              <a:t>406.76</a:t>
+            </a:r>
+          </a:p>
+          <a:p>
+            <a:pPr lvl="0" marL="0" indent="0">
+              <a:buNone/>
+            </a:pPr>
+            <a:r>
+              <a:rPr/>
+              <a:t>0.12</a:t>
+            </a:r>
+          </a:p>
+          <a:p>
+            <a:pPr lvl="0" marL="0" indent="0">
+              <a:buNone/>
+            </a:pPr>
+            <a:r>
+              <a:rPr/>
+              <a:t>2016</a:t>
+            </a:r>
+          </a:p>
+          <a:p>
+            <a:pPr lvl="0" marL="0" indent="0">
+              <a:buNone/>
+            </a:pPr>
+            <a:r>
+              <a:rPr/>
+              <a:t>404.41</a:t>
+            </a:r>
+          </a:p>
+          <a:p>
+            <a:pPr lvl="0" marL="0" indent="0">
+              <a:buNone/>
+            </a:pPr>
+            <a:r>
+              <a:rPr/>
+              <a:t>0.12</a:t>
+            </a:r>
+          </a:p>
+        </p:txBody>
+      </p:sp>
     </p:spTree>
   </p:cSld>
 </p:sld>
